--- a/Offline/Marketing/Proposals/AnodiamProspectus2023.pptx
+++ b/Offline/Marketing/Proposals/AnodiamProspectus2023.pptx
@@ -7247,7 +7247,7 @@
         <p:spPr>
           <a:xfrm>
             <a:off x="3107507" y="1763650"/>
-            <a:ext cx="6728124" cy="2969852"/>
+            <a:ext cx="5282215" cy="3954737"/>
           </a:xfrm>
           <a:prstGeom prst="rect">
             <a:avLst/>
@@ -7296,7 +7296,7 @@
                 </a:solidFill>
                 <a:latin typeface="Oxygen" panose="02000503000000000000" pitchFamily="2" charset="0"/>
               </a:rPr>
-              <a:t>50+ Top-quality Teachers</a:t>
+              <a:t>53 Top-quality Teachers</a:t>
             </a:r>
           </a:p>
           <a:p>
@@ -7316,7 +7316,7 @@
                 </a:solidFill>
                 <a:latin typeface="Oxygen" panose="02000503000000000000" pitchFamily="2" charset="0"/>
               </a:rPr>
-              <a:t>Own Edtech App</a:t>
+              <a:t>6 Departments</a:t>
             </a:r>
           </a:p>
           <a:p>
@@ -7336,7 +7336,47 @@
                 </a:solidFill>
                 <a:latin typeface="Oxygen" panose="02000503000000000000" pitchFamily="2" charset="0"/>
               </a:rPr>
-              <a:t>Study Materials, PTM, Counselling, Mock Tests, Doubt Clearing</a:t>
+              <a:t>6 Head of Departments</a:t>
+            </a:r>
+          </a:p>
+          <a:p>
+            <a:pPr marL="742950" lvl="1" indent="-285750">
+              <a:lnSpc>
+                <a:spcPct val="200000"/>
+              </a:lnSpc>
+              <a:buFont typeface="Wingdings" panose="05000000000000000000" pitchFamily="2" charset="2"/>
+              <a:buChar char="v"/>
+            </a:pPr>
+            <a:r>
+              <a:rPr lang="en-US" sz="1600" dirty="0">
+                <a:solidFill>
+                  <a:schemeClr val="bg2">
+                    <a:lumMod val="50000"/>
+                  </a:schemeClr>
+                </a:solidFill>
+                <a:latin typeface="Oxygen" panose="02000503000000000000" pitchFamily="2" charset="0"/>
+              </a:rPr>
+              <a:t>Edtech App for online Study Materials</a:t>
+            </a:r>
+          </a:p>
+          <a:p>
+            <a:pPr marL="742950" lvl="1" indent="-285750">
+              <a:lnSpc>
+                <a:spcPct val="200000"/>
+              </a:lnSpc>
+              <a:buFont typeface="Wingdings" panose="05000000000000000000" pitchFamily="2" charset="2"/>
+              <a:buChar char="v"/>
+            </a:pPr>
+            <a:r>
+              <a:rPr lang="en-US" sz="1600" dirty="0">
+                <a:solidFill>
+                  <a:schemeClr val="bg2">
+                    <a:lumMod val="50000"/>
+                  </a:schemeClr>
+                </a:solidFill>
+                <a:latin typeface="Oxygen" panose="02000503000000000000" pitchFamily="2" charset="0"/>
+              </a:rPr>
+              <a:t>PTM, Counselling, Mock Tests, Doubt Clearing</a:t>
             </a:r>
           </a:p>
           <a:p>
@@ -10231,12 +10271,12 @@
           </a:prstGeom>
           <a:gradFill flip="none" rotWithShape="1">
             <a:gsLst>
-              <a:gs pos="51000">
+              <a:gs pos="58000">
                 <a:srgbClr val="F2F2F2">
-                  <a:alpha val="70000"/>
+                  <a:alpha val="15000"/>
                 </a:srgbClr>
               </a:gs>
-              <a:gs pos="68000">
+              <a:gs pos="65000">
                 <a:schemeClr val="bg1"/>
               </a:gs>
             </a:gsLst>
@@ -11678,10 +11718,10 @@
       </p:sp>
       <p:pic>
         <p:nvPicPr>
-          <p:cNvPr id="4" name="Picture 3">
+          <p:cNvPr id="11" name="Picture 10">
             <a:extLst>
               <a:ext uri="{FF2B5EF4-FFF2-40B4-BE49-F238E27FC236}">
-                <a16:creationId xmlns:a16="http://schemas.microsoft.com/office/drawing/2014/main" id="{5BDDEB8F-75A2-64B1-B1D5-97544B7D9720}"/>
+                <a16:creationId xmlns:a16="http://schemas.microsoft.com/office/drawing/2014/main" id="{1F82FBFE-F770-21FE-FB32-D4470AEA8442}"/>
               </a:ext>
             </a:extLst>
           </p:cNvPr>
@@ -11692,6 +11732,7 @@
         </p:nvPicPr>
         <p:blipFill>
           <a:blip r:embed="rId3"/>
+          <a:srcRect b="1722"/>
           <a:stretch>
             <a:fillRect/>
           </a:stretch>
@@ -11699,11 +11740,102 @@
         <p:spPr>
           <a:xfrm>
             <a:off x="1202582" y="1858544"/>
-            <a:ext cx="2298612" cy="3140912"/>
+            <a:ext cx="2298612" cy="3086836"/>
           </a:xfrm>
-          <a:prstGeom prst="rect">
+          <a:custGeom>
             <a:avLst/>
-          </a:prstGeom>
+            <a:gdLst>
+              <a:gd name="connsiteX0" fmla="*/ 383110 w 2298612"/>
+              <a:gd name="connsiteY0" fmla="*/ 0 h 3086836"/>
+              <a:gd name="connsiteX1" fmla="*/ 1915502 w 2298612"/>
+              <a:gd name="connsiteY1" fmla="*/ 0 h 3086836"/>
+              <a:gd name="connsiteX2" fmla="*/ 2298612 w 2298612"/>
+              <a:gd name="connsiteY2" fmla="*/ 383110 h 3086836"/>
+              <a:gd name="connsiteX3" fmla="*/ 2298612 w 2298612"/>
+              <a:gd name="connsiteY3" fmla="*/ 2703726 h 3086836"/>
+              <a:gd name="connsiteX4" fmla="*/ 1915502 w 2298612"/>
+              <a:gd name="connsiteY4" fmla="*/ 3086836 h 3086836"/>
+              <a:gd name="connsiteX5" fmla="*/ 383110 w 2298612"/>
+              <a:gd name="connsiteY5" fmla="*/ 3086836 h 3086836"/>
+              <a:gd name="connsiteX6" fmla="*/ 0 w 2298612"/>
+              <a:gd name="connsiteY6" fmla="*/ 2703726 h 3086836"/>
+              <a:gd name="connsiteX7" fmla="*/ 0 w 2298612"/>
+              <a:gd name="connsiteY7" fmla="*/ 383110 h 3086836"/>
+              <a:gd name="connsiteX8" fmla="*/ 383110 w 2298612"/>
+              <a:gd name="connsiteY8" fmla="*/ 0 h 3086836"/>
+            </a:gdLst>
+            <a:ahLst/>
+            <a:cxnLst>
+              <a:cxn ang="0">
+                <a:pos x="connsiteX0" y="connsiteY0"/>
+              </a:cxn>
+              <a:cxn ang="0">
+                <a:pos x="connsiteX1" y="connsiteY1"/>
+              </a:cxn>
+              <a:cxn ang="0">
+                <a:pos x="connsiteX2" y="connsiteY2"/>
+              </a:cxn>
+              <a:cxn ang="0">
+                <a:pos x="connsiteX3" y="connsiteY3"/>
+              </a:cxn>
+              <a:cxn ang="0">
+                <a:pos x="connsiteX4" y="connsiteY4"/>
+              </a:cxn>
+              <a:cxn ang="0">
+                <a:pos x="connsiteX5" y="connsiteY5"/>
+              </a:cxn>
+              <a:cxn ang="0">
+                <a:pos x="connsiteX6" y="connsiteY6"/>
+              </a:cxn>
+              <a:cxn ang="0">
+                <a:pos x="connsiteX7" y="connsiteY7"/>
+              </a:cxn>
+              <a:cxn ang="0">
+                <a:pos x="connsiteX8" y="connsiteY8"/>
+              </a:cxn>
+            </a:cxnLst>
+            <a:rect l="l" t="t" r="r" b="b"/>
+            <a:pathLst>
+              <a:path w="2298612" h="3086836">
+                <a:moveTo>
+                  <a:pt x="383110" y="0"/>
+                </a:moveTo>
+                <a:lnTo>
+                  <a:pt x="1915502" y="0"/>
+                </a:lnTo>
+                <a:cubicBezTo>
+                  <a:pt x="2127088" y="0"/>
+                  <a:pt x="2298612" y="171524"/>
+                  <a:pt x="2298612" y="383110"/>
+                </a:cubicBezTo>
+                <a:lnTo>
+                  <a:pt x="2298612" y="2703726"/>
+                </a:lnTo>
+                <a:cubicBezTo>
+                  <a:pt x="2298612" y="2915312"/>
+                  <a:pt x="2127088" y="3086836"/>
+                  <a:pt x="1915502" y="3086836"/>
+                </a:cubicBezTo>
+                <a:lnTo>
+                  <a:pt x="383110" y="3086836"/>
+                </a:lnTo>
+                <a:cubicBezTo>
+                  <a:pt x="171524" y="3086836"/>
+                  <a:pt x="0" y="2915312"/>
+                  <a:pt x="0" y="2703726"/>
+                </a:cubicBezTo>
+                <a:lnTo>
+                  <a:pt x="0" y="383110"/>
+                </a:lnTo>
+                <a:cubicBezTo>
+                  <a:pt x="0" y="171524"/>
+                  <a:pt x="171524" y="0"/>
+                  <a:pt x="383110" y="0"/>
+                </a:cubicBezTo>
+                <a:close/>
+              </a:path>
+            </a:pathLst>
+          </a:custGeom>
         </p:spPr>
       </p:pic>
       <p:sp>
